--- a/HW4/Code/assignment4-template.pptx
+++ b/HW4/Code/assignment4-template.pptx
@@ -5,12 +5,13 @@
     <p:sldMasterId id="2147483659" r:id="rId1"/>
   </p:sldMasterIdLst>
   <p:notesMasterIdLst>
-    <p:notesMasterId r:id="rId5"/>
+    <p:notesMasterId r:id="rId6"/>
   </p:notesMasterIdLst>
   <p:sldIdLst>
-    <p:sldId id="256" r:id="rId2"/>
-    <p:sldId id="270" r:id="rId3"/>
-    <p:sldId id="271" r:id="rId4"/>
+    <p:sldId id="272" r:id="rId2"/>
+    <p:sldId id="256" r:id="rId3"/>
+    <p:sldId id="270" r:id="rId4"/>
+    <p:sldId id="271" r:id="rId5"/>
   </p:sldIdLst>
   <p:sldSz cx="9144000" cy="5143500" type="screen16x9"/>
   <p:notesSz cx="6858000" cy="9144000"/>
@@ -5829,6 +5830,308 @@
   <p:cSld>
     <p:spTree>
       <p:nvGrpSpPr>
+        <p:cNvPr id="1" name=""/>
+        <p:cNvGrpSpPr/>
+        <p:nvPr/>
+      </p:nvGrpSpPr>
+      <p:grpSpPr>
+        <a:xfrm>
+          <a:off x="0" y="0"/>
+          <a:ext cx="0" cy="0"/>
+          <a:chOff x="0" y="0"/>
+          <a:chExt cx="0" cy="0"/>
+        </a:xfrm>
+      </p:grpSpPr>
+      <p:sp>
+        <p:nvSpPr>
+          <p:cNvPr id="3" name="Google Shape;55;p13">
+            <a:extLst>
+              <a:ext uri="{FF2B5EF4-FFF2-40B4-BE49-F238E27FC236}">
+                <a16:creationId xmlns:a16="http://schemas.microsoft.com/office/drawing/2014/main" id="{C45C9359-98FB-C748-A1ED-0C78D3659799}"/>
+              </a:ext>
+            </a:extLst>
+          </p:cNvPr>
+          <p:cNvSpPr txBox="1">
+            <a:spLocks/>
+          </p:cNvSpPr>
+          <p:nvPr/>
+        </p:nvSpPr>
+        <p:spPr>
+          <a:xfrm>
+            <a:off x="311700" y="997374"/>
+            <a:ext cx="8520600" cy="792600"/>
+          </a:xfrm>
+          <a:prstGeom prst="rect">
+            <a:avLst/>
+          </a:prstGeom>
+        </p:spPr>
+        <p:txBody>
+          <a:bodyPr spcFirstLastPara="1" wrap="square" lIns="91425" tIns="91425" rIns="91425" bIns="91425" anchor="t" anchorCtr="0">
+            <a:noAutofit/>
+          </a:bodyPr>
+          <a:lstStyle>
+            <a:defPPr marR="0" lvl="0" algn="l" rtl="0">
+              <a:lnSpc>
+                <a:spcPct val="100000"/>
+              </a:lnSpc>
+              <a:spcBef>
+                <a:spcPts val="0"/>
+              </a:spcBef>
+              <a:spcAft>
+                <a:spcPts val="0"/>
+              </a:spcAft>
+            </a:defPPr>
+            <a:lvl1pPr marR="0" lvl="0" algn="l" rtl="0">
+              <a:lnSpc>
+                <a:spcPct val="100000"/>
+              </a:lnSpc>
+              <a:spcBef>
+                <a:spcPts val="0"/>
+              </a:spcBef>
+              <a:spcAft>
+                <a:spcPts val="0"/>
+              </a:spcAft>
+              <a:buClr>
+                <a:srgbClr val="000000"/>
+              </a:buClr>
+              <a:buFont typeface="Arial"/>
+              <a:defRPr sz="1400" b="0" i="0" u="none" strike="noStrike" cap="none">
+                <a:solidFill>
+                  <a:srgbClr val="000000"/>
+                </a:solidFill>
+                <a:latin typeface="Arial"/>
+                <a:ea typeface="Arial"/>
+                <a:cs typeface="Arial"/>
+                <a:sym typeface="Arial"/>
+              </a:defRPr>
+            </a:lvl1pPr>
+            <a:lvl2pPr marR="0" lvl="1" algn="l" rtl="0">
+              <a:lnSpc>
+                <a:spcPct val="100000"/>
+              </a:lnSpc>
+              <a:spcBef>
+                <a:spcPts val="0"/>
+              </a:spcBef>
+              <a:spcAft>
+                <a:spcPts val="0"/>
+              </a:spcAft>
+              <a:buClr>
+                <a:srgbClr val="000000"/>
+              </a:buClr>
+              <a:buFont typeface="Arial"/>
+              <a:defRPr sz="1400" b="0" i="0" u="none" strike="noStrike" cap="none">
+                <a:solidFill>
+                  <a:srgbClr val="000000"/>
+                </a:solidFill>
+                <a:latin typeface="Arial"/>
+                <a:ea typeface="Arial"/>
+                <a:cs typeface="Arial"/>
+                <a:sym typeface="Arial"/>
+              </a:defRPr>
+            </a:lvl2pPr>
+            <a:lvl3pPr marR="0" lvl="2" algn="l" rtl="0">
+              <a:lnSpc>
+                <a:spcPct val="100000"/>
+              </a:lnSpc>
+              <a:spcBef>
+                <a:spcPts val="0"/>
+              </a:spcBef>
+              <a:spcAft>
+                <a:spcPts val="0"/>
+              </a:spcAft>
+              <a:buClr>
+                <a:srgbClr val="000000"/>
+              </a:buClr>
+              <a:buFont typeface="Arial"/>
+              <a:defRPr sz="1400" b="0" i="0" u="none" strike="noStrike" cap="none">
+                <a:solidFill>
+                  <a:srgbClr val="000000"/>
+                </a:solidFill>
+                <a:latin typeface="Arial"/>
+                <a:ea typeface="Arial"/>
+                <a:cs typeface="Arial"/>
+                <a:sym typeface="Arial"/>
+              </a:defRPr>
+            </a:lvl3pPr>
+            <a:lvl4pPr marR="0" lvl="3" algn="l" rtl="0">
+              <a:lnSpc>
+                <a:spcPct val="100000"/>
+              </a:lnSpc>
+              <a:spcBef>
+                <a:spcPts val="0"/>
+              </a:spcBef>
+              <a:spcAft>
+                <a:spcPts val="0"/>
+              </a:spcAft>
+              <a:buClr>
+                <a:srgbClr val="000000"/>
+              </a:buClr>
+              <a:buFont typeface="Arial"/>
+              <a:defRPr sz="1400" b="0" i="0" u="none" strike="noStrike" cap="none">
+                <a:solidFill>
+                  <a:srgbClr val="000000"/>
+                </a:solidFill>
+                <a:latin typeface="Arial"/>
+                <a:ea typeface="Arial"/>
+                <a:cs typeface="Arial"/>
+                <a:sym typeface="Arial"/>
+              </a:defRPr>
+            </a:lvl4pPr>
+            <a:lvl5pPr marR="0" lvl="4" algn="l" rtl="0">
+              <a:lnSpc>
+                <a:spcPct val="100000"/>
+              </a:lnSpc>
+              <a:spcBef>
+                <a:spcPts val="0"/>
+              </a:spcBef>
+              <a:spcAft>
+                <a:spcPts val="0"/>
+              </a:spcAft>
+              <a:buClr>
+                <a:srgbClr val="000000"/>
+              </a:buClr>
+              <a:buFont typeface="Arial"/>
+              <a:defRPr sz="1400" b="0" i="0" u="none" strike="noStrike" cap="none">
+                <a:solidFill>
+                  <a:srgbClr val="000000"/>
+                </a:solidFill>
+                <a:latin typeface="Arial"/>
+                <a:ea typeface="Arial"/>
+                <a:cs typeface="Arial"/>
+                <a:sym typeface="Arial"/>
+              </a:defRPr>
+            </a:lvl5pPr>
+            <a:lvl6pPr marR="0" lvl="5" algn="l" rtl="0">
+              <a:lnSpc>
+                <a:spcPct val="100000"/>
+              </a:lnSpc>
+              <a:spcBef>
+                <a:spcPts val="0"/>
+              </a:spcBef>
+              <a:spcAft>
+                <a:spcPts val="0"/>
+              </a:spcAft>
+              <a:buClr>
+                <a:srgbClr val="000000"/>
+              </a:buClr>
+              <a:buFont typeface="Arial"/>
+              <a:defRPr sz="1400" b="0" i="0" u="none" strike="noStrike" cap="none">
+                <a:solidFill>
+                  <a:srgbClr val="000000"/>
+                </a:solidFill>
+                <a:latin typeface="Arial"/>
+                <a:ea typeface="Arial"/>
+                <a:cs typeface="Arial"/>
+                <a:sym typeface="Arial"/>
+              </a:defRPr>
+            </a:lvl6pPr>
+            <a:lvl7pPr marR="0" lvl="6" algn="l" rtl="0">
+              <a:lnSpc>
+                <a:spcPct val="100000"/>
+              </a:lnSpc>
+              <a:spcBef>
+                <a:spcPts val="0"/>
+              </a:spcBef>
+              <a:spcAft>
+                <a:spcPts val="0"/>
+              </a:spcAft>
+              <a:buClr>
+                <a:srgbClr val="000000"/>
+              </a:buClr>
+              <a:buFont typeface="Arial"/>
+              <a:defRPr sz="1400" b="0" i="0" u="none" strike="noStrike" cap="none">
+                <a:solidFill>
+                  <a:srgbClr val="000000"/>
+                </a:solidFill>
+                <a:latin typeface="Arial"/>
+                <a:ea typeface="Arial"/>
+                <a:cs typeface="Arial"/>
+                <a:sym typeface="Arial"/>
+              </a:defRPr>
+            </a:lvl7pPr>
+            <a:lvl8pPr marR="0" lvl="7" algn="l" rtl="0">
+              <a:lnSpc>
+                <a:spcPct val="100000"/>
+              </a:lnSpc>
+              <a:spcBef>
+                <a:spcPts val="0"/>
+              </a:spcBef>
+              <a:spcAft>
+                <a:spcPts val="0"/>
+              </a:spcAft>
+              <a:buClr>
+                <a:srgbClr val="000000"/>
+              </a:buClr>
+              <a:buFont typeface="Arial"/>
+              <a:defRPr sz="1400" b="0" i="0" u="none" strike="noStrike" cap="none">
+                <a:solidFill>
+                  <a:srgbClr val="000000"/>
+                </a:solidFill>
+                <a:latin typeface="Arial"/>
+                <a:ea typeface="Arial"/>
+                <a:cs typeface="Arial"/>
+                <a:sym typeface="Arial"/>
+              </a:defRPr>
+            </a:lvl8pPr>
+            <a:lvl9pPr marR="0" lvl="8" algn="l" rtl="0">
+              <a:lnSpc>
+                <a:spcPct val="100000"/>
+              </a:lnSpc>
+              <a:spcBef>
+                <a:spcPts val="0"/>
+              </a:spcBef>
+              <a:spcAft>
+                <a:spcPts val="0"/>
+              </a:spcAft>
+              <a:buClr>
+                <a:srgbClr val="000000"/>
+              </a:buClr>
+              <a:buFont typeface="Arial"/>
+              <a:defRPr sz="1400" b="0" i="0" u="none" strike="noStrike" cap="none">
+                <a:solidFill>
+                  <a:srgbClr val="000000"/>
+                </a:solidFill>
+                <a:latin typeface="Arial"/>
+                <a:ea typeface="Arial"/>
+                <a:cs typeface="Arial"/>
+                <a:sym typeface="Arial"/>
+              </a:defRPr>
+            </a:lvl9pPr>
+          </a:lstStyle>
+          <a:p>
+            <a:pPr lvl="0" algn="ctr"/>
+            <a:r>
+              <a:rPr lang="en-US" dirty="0"/>
+              <a:t>Collaborators:</a:t>
+            </a:r>
+          </a:p>
+          <a:p>
+            <a:pPr lvl="0" algn="ctr"/>
+            <a:r>
+              <a:rPr lang="en-US" dirty="0"/>
+              <a:t>ML Textbook</a:t>
+            </a:r>
+          </a:p>
+        </p:txBody>
+      </p:sp>
+    </p:spTree>
+    <p:extLst>
+      <p:ext uri="{BB962C8B-B14F-4D97-AF65-F5344CB8AC3E}">
+        <p14:creationId xmlns:p14="http://schemas.microsoft.com/office/powerpoint/2010/main" val="3483200053"/>
+      </p:ext>
+    </p:extLst>
+  </p:cSld>
+  <p:clrMapOvr>
+    <a:masterClrMapping/>
+  </p:clrMapOvr>
+</p:sld>
+</file>
+
+<file path=ppt/slides/slide2.xml><?xml version="1.0" encoding="utf-8"?>
+<p:sld xmlns:a="http://schemas.openxmlformats.org/drawingml/2006/main" xmlns:r="http://schemas.openxmlformats.org/officeDocument/2006/relationships" xmlns:p="http://schemas.openxmlformats.org/presentationml/2006/main">
+  <p:cSld>
+    <p:spTree>
+      <p:nvGrpSpPr>
         <p:cNvPr id="1" name="Shape 53"/>
         <p:cNvGrpSpPr/>
         <p:nvPr/>
@@ -5919,7 +6222,15 @@
             </a:pPr>
             <a:r>
               <a:rPr lang="en" dirty="0"/>
-              <a:t>Your name:</a:t>
+              <a:t>Your name: </a:t>
+            </a:r>
+            <a:r>
+              <a:rPr lang="en" dirty="0" err="1"/>
+              <a:t>Bojun</a:t>
+            </a:r>
+            <a:r>
+              <a:rPr lang="en" dirty="0"/>
+              <a:t> Yang</a:t>
             </a:r>
             <a:endParaRPr dirty="0"/>
           </a:p>
@@ -5935,7 +6246,7 @@
             </a:pPr>
             <a:r>
               <a:rPr lang="en" dirty="0"/>
-              <a:t>Your GTID:</a:t>
+              <a:t>Your GTID: 903254309</a:t>
             </a:r>
             <a:endParaRPr dirty="0"/>
           </a:p>
@@ -5949,7 +6260,7 @@
 </p:sld>
 </file>
 
-<file path=ppt/slides/slide2.xml><?xml version="1.0" encoding="utf-8"?>
+<file path=ppt/slides/slide3.xml><?xml version="1.0" encoding="utf-8"?>
 <p:sld xmlns:a="http://schemas.openxmlformats.org/drawingml/2006/main" xmlns:r="http://schemas.openxmlformats.org/officeDocument/2006/relationships" xmlns:p="http://schemas.openxmlformats.org/presentationml/2006/main">
   <p:cSld>
     <p:spTree>
@@ -6044,26 +6355,222 @@
               <a:buChar char="●"/>
             </a:pPr>
             <a:r>
-              <a:rPr lang="en" dirty="0"/>
-              <a:t>Put your loss &amp; perplexities from training here, both before and after hyperparameter tuning.</a:t>
+              <a:rPr lang="en-US" sz="1600" dirty="0"/>
+              <a:t>P</a:t>
+            </a:r>
+            <a:r>
+              <a:rPr lang="en" sz="1600" dirty="0"/>
+              <a:t>re tuning</a:t>
             </a:r>
           </a:p>
           <a:p>
-            <a:pPr marL="457200" lvl="0" indent="-342900" algn="l" rtl="0">
-              <a:spcBef>
-                <a:spcPts val="0"/>
-              </a:spcBef>
-              <a:spcAft>
-                <a:spcPts val="0"/>
-              </a:spcAft>
+            <a:pPr lvl="1" indent="-342900">
+              <a:spcBef>
+                <a:spcPts val="0"/>
+              </a:spcBef>
               <a:buSzPts val="1800"/>
               <a:buChar char="●"/>
             </a:pPr>
             <a:r>
-              <a:rPr lang="en" dirty="0"/>
-              <a:t>Explain what you did here as well, you can use another slide if needed</a:t>
+              <a:rPr lang="en-US" dirty="0" err="1"/>
+              <a:t>encoder_emb_size</a:t>
             </a:r>
-            <a:endParaRPr dirty="0"/>
+            <a:r>
+              <a:rPr lang="en-US" dirty="0"/>
+              <a:t> = 32, </a:t>
+            </a:r>
+            <a:r>
+              <a:rPr lang="en-US" dirty="0" err="1"/>
+              <a:t>encoder_hidden_size</a:t>
+            </a:r>
+            <a:r>
+              <a:rPr lang="en-US" dirty="0"/>
+              <a:t> = 64, </a:t>
+            </a:r>
+            <a:r>
+              <a:rPr lang="en-US" dirty="0" err="1"/>
+              <a:t>encoder_dropout</a:t>
+            </a:r>
+            <a:r>
+              <a:rPr lang="en-US" dirty="0"/>
+              <a:t> = 0.2, </a:t>
+            </a:r>
+            <a:r>
+              <a:rPr lang="en-US" dirty="0" err="1"/>
+              <a:t>decoder_emb_size</a:t>
+            </a:r>
+            <a:r>
+              <a:rPr lang="en-US" dirty="0"/>
+              <a:t> = 32, </a:t>
+            </a:r>
+            <a:r>
+              <a:rPr lang="en-US" dirty="0" err="1"/>
+              <a:t>decoder_hidden_size</a:t>
+            </a:r>
+            <a:r>
+              <a:rPr lang="en-US" dirty="0"/>
+              <a:t> = 64, </a:t>
+            </a:r>
+            <a:r>
+              <a:rPr lang="en-US" dirty="0" err="1"/>
+              <a:t>decoder_dropout</a:t>
+            </a:r>
+            <a:r>
+              <a:rPr lang="en-US" dirty="0"/>
+              <a:t> = 0.2, </a:t>
+            </a:r>
+            <a:r>
+              <a:rPr lang="en-US" dirty="0" err="1"/>
+              <a:t>learning_rate</a:t>
+            </a:r>
+            <a:r>
+              <a:rPr lang="en-US" dirty="0"/>
+              <a:t> = 1e-3, </a:t>
+            </a:r>
+            <a:r>
+              <a:rPr lang="en-US" dirty="0" err="1"/>
+              <a:t>model_type</a:t>
+            </a:r>
+            <a:r>
+              <a:rPr lang="en-US" dirty="0"/>
+              <a:t> = "RNN”, EPOCHS = 10</a:t>
+            </a:r>
+          </a:p>
+          <a:p>
+            <a:pPr lvl="1" indent="-342900">
+              <a:spcBef>
+                <a:spcPts val="0"/>
+              </a:spcBef>
+              <a:buSzPts val="1800"/>
+              <a:buChar char="●"/>
+            </a:pPr>
+            <a:r>
+              <a:rPr lang="en-US" dirty="0"/>
+              <a:t>Training Perplexity: 178.3326. Validation Perplexity: 169.0414. </a:t>
+            </a:r>
+          </a:p>
+          <a:p>
+            <a:pPr lvl="0"/>
+            <a:r>
+              <a:rPr lang="en-US" sz="1600" dirty="0"/>
+              <a:t>Post tuning</a:t>
+            </a:r>
+            <a:endParaRPr lang="en" sz="1600" dirty="0"/>
+          </a:p>
+          <a:p>
+            <a:pPr lvl="1" indent="-342900">
+              <a:spcBef>
+                <a:spcPts val="0"/>
+              </a:spcBef>
+              <a:buSzPts val="1800"/>
+              <a:buChar char="●"/>
+            </a:pPr>
+            <a:r>
+              <a:rPr lang="en-US" dirty="0" err="1"/>
+              <a:t>encoder_emb_size</a:t>
+            </a:r>
+            <a:r>
+              <a:rPr lang="en-US" dirty="0"/>
+              <a:t> = 32, </a:t>
+            </a:r>
+            <a:r>
+              <a:rPr lang="en-US" dirty="0" err="1"/>
+              <a:t>encoder_hidden_size</a:t>
+            </a:r>
+            <a:r>
+              <a:rPr lang="en-US" dirty="0"/>
+              <a:t> = 64, </a:t>
+            </a:r>
+            <a:r>
+              <a:rPr lang="en-US" dirty="0" err="1"/>
+              <a:t>encoder_dropout</a:t>
+            </a:r>
+            <a:r>
+              <a:rPr lang="en-US" dirty="0"/>
+              <a:t> = 0.2, </a:t>
+            </a:r>
+            <a:r>
+              <a:rPr lang="en-US" dirty="0" err="1"/>
+              <a:t>decoder_emb_size</a:t>
+            </a:r>
+            <a:r>
+              <a:rPr lang="en-US" dirty="0"/>
+              <a:t> = 32, </a:t>
+            </a:r>
+            <a:r>
+              <a:rPr lang="en-US" dirty="0" err="1"/>
+              <a:t>decoder_hidden_size</a:t>
+            </a:r>
+            <a:r>
+              <a:rPr lang="en-US" dirty="0"/>
+              <a:t> = 64, </a:t>
+            </a:r>
+            <a:r>
+              <a:rPr lang="en-US" dirty="0" err="1"/>
+              <a:t>decoder_dropout</a:t>
+            </a:r>
+            <a:r>
+              <a:rPr lang="en-US" dirty="0"/>
+              <a:t> = 0.2, </a:t>
+            </a:r>
+            <a:r>
+              <a:rPr lang="en-US" dirty="0" err="1"/>
+              <a:t>learning_rate</a:t>
+            </a:r>
+            <a:r>
+              <a:rPr lang="en-US" dirty="0"/>
+              <a:t> = 1e-3, </a:t>
+            </a:r>
+            <a:r>
+              <a:rPr lang="en-US" dirty="0" err="1"/>
+              <a:t>model_type</a:t>
+            </a:r>
+            <a:r>
+              <a:rPr lang="en-US" dirty="0"/>
+              <a:t> = ”LSTM”, EPOCHS = 10</a:t>
+            </a:r>
+          </a:p>
+          <a:p>
+            <a:pPr lvl="1" indent="-342900">
+              <a:spcBef>
+                <a:spcPts val="0"/>
+              </a:spcBef>
+              <a:buSzPts val="1800"/>
+              <a:buChar char="●"/>
+            </a:pPr>
+            <a:r>
+              <a:rPr lang="en-US" dirty="0"/>
+              <a:t>Training Perplexity: 118.4486. Validation Perplexity: </a:t>
+            </a:r>
+            <a:r>
+              <a:rPr lang="en-US"/>
+              <a:t>103.4128.</a:t>
+            </a:r>
+            <a:endParaRPr lang="en-US" dirty="0"/>
+          </a:p>
+          <a:p>
+            <a:r>
+              <a:rPr lang="en-US" sz="1600" dirty="0"/>
+              <a:t>I only changed the model type to LSTM since LSTMs are better at learning </a:t>
+            </a:r>
+            <a:r>
+              <a:rPr lang="en-US" sz="1600" dirty="0" err="1"/>
+              <a:t>longterm</a:t>
+            </a:r>
+            <a:r>
+              <a:rPr lang="en-US" sz="1600" dirty="0"/>
+              <a:t> dependencies, thus they should perform better at tasks like translation. LSTM’s perplexity is significantly lower than RNN’s with the same hyperparameters</a:t>
+            </a:r>
+          </a:p>
+          <a:p>
+            <a:pPr lvl="1" indent="-342900">
+              <a:spcBef>
+                <a:spcPts val="0"/>
+              </a:spcBef>
+              <a:buSzPts val="1800"/>
+              <a:buChar char="●"/>
+            </a:pPr>
+            <a:endParaRPr lang="en-US" dirty="0"/>
           </a:p>
         </p:txBody>
       </p:sp>
@@ -6075,7 +6582,7 @@
 </p:sld>
 </file>
 
-<file path=ppt/slides/slide3.xml><?xml version="1.0" encoding="utf-8"?>
+<file path=ppt/slides/slide4.xml><?xml version="1.0" encoding="utf-8"?>
 <p:sld xmlns:a="http://schemas.openxmlformats.org/drawingml/2006/main" xmlns:r="http://schemas.openxmlformats.org/officeDocument/2006/relationships" xmlns:p="http://schemas.openxmlformats.org/presentationml/2006/main">
   <p:cSld>
     <p:spTree>
@@ -6092,6 +6599,379 @@
           <a:chExt cx="0" cy="0"/>
         </a:xfrm>
       </p:grpSpPr>
+      <p:sp>
+        <p:nvSpPr>
+          <p:cNvPr id="4" name="Google Shape;137;p27">
+            <a:extLst>
+              <a:ext uri="{FF2B5EF4-FFF2-40B4-BE49-F238E27FC236}">
+                <a16:creationId xmlns:a16="http://schemas.microsoft.com/office/drawing/2014/main" id="{CBFEF280-FEAF-DE4E-B08E-987D3B83F217}"/>
+              </a:ext>
+            </a:extLst>
+          </p:cNvPr>
+          <p:cNvSpPr txBox="1">
+            <a:spLocks/>
+          </p:cNvSpPr>
+          <p:nvPr/>
+        </p:nvSpPr>
+        <p:spPr>
+          <a:xfrm>
+            <a:off x="311700" y="1152475"/>
+            <a:ext cx="8520600" cy="3416400"/>
+          </a:xfrm>
+          <a:prstGeom prst="rect">
+            <a:avLst/>
+          </a:prstGeom>
+          <a:noFill/>
+          <a:ln>
+            <a:noFill/>
+          </a:ln>
+        </p:spPr>
+        <p:txBody>
+          <a:bodyPr spcFirstLastPara="1" wrap="square" lIns="91425" tIns="91425" rIns="91425" bIns="91425" anchor="t" anchorCtr="0">
+            <a:noAutofit/>
+          </a:bodyPr>
+          <a:lstStyle>
+            <a:defPPr marR="0" lvl="0" algn="l" rtl="0">
+              <a:lnSpc>
+                <a:spcPct val="100000"/>
+              </a:lnSpc>
+              <a:spcBef>
+                <a:spcPts val="0"/>
+              </a:spcBef>
+              <a:spcAft>
+                <a:spcPts val="0"/>
+              </a:spcAft>
+            </a:defPPr>
+            <a:lvl1pPr marL="457200" marR="0" lvl="0" indent="-342900" algn="l" rtl="0">
+              <a:lnSpc>
+                <a:spcPct val="115000"/>
+              </a:lnSpc>
+              <a:spcBef>
+                <a:spcPts val="0"/>
+              </a:spcBef>
+              <a:spcAft>
+                <a:spcPts val="0"/>
+              </a:spcAft>
+              <a:buClr>
+                <a:schemeClr val="dk2"/>
+              </a:buClr>
+              <a:buSzPts val="1800"/>
+              <a:buFont typeface="Arial"/>
+              <a:buChar char="●"/>
+              <a:defRPr sz="1800" b="0" i="0" u="none" strike="noStrike" cap="none">
+                <a:solidFill>
+                  <a:schemeClr val="dk2"/>
+                </a:solidFill>
+                <a:latin typeface="Arial"/>
+                <a:ea typeface="Arial"/>
+                <a:cs typeface="Arial"/>
+                <a:sym typeface="Arial"/>
+              </a:defRPr>
+            </a:lvl1pPr>
+            <a:lvl2pPr marL="914400" marR="0" lvl="1" indent="-317500" algn="l" rtl="0">
+              <a:lnSpc>
+                <a:spcPct val="115000"/>
+              </a:lnSpc>
+              <a:spcBef>
+                <a:spcPts val="1600"/>
+              </a:spcBef>
+              <a:spcAft>
+                <a:spcPts val="0"/>
+              </a:spcAft>
+              <a:buClr>
+                <a:schemeClr val="dk2"/>
+              </a:buClr>
+              <a:buSzPts val="1400"/>
+              <a:buFont typeface="Arial"/>
+              <a:buChar char="○"/>
+              <a:defRPr sz="1400" b="0" i="0" u="none" strike="noStrike" cap="none">
+                <a:solidFill>
+                  <a:schemeClr val="dk2"/>
+                </a:solidFill>
+                <a:latin typeface="Arial"/>
+                <a:ea typeface="Arial"/>
+                <a:cs typeface="Arial"/>
+                <a:sym typeface="Arial"/>
+              </a:defRPr>
+            </a:lvl2pPr>
+            <a:lvl3pPr marL="1371600" marR="0" lvl="2" indent="-317500" algn="l" rtl="0">
+              <a:lnSpc>
+                <a:spcPct val="115000"/>
+              </a:lnSpc>
+              <a:spcBef>
+                <a:spcPts val="1600"/>
+              </a:spcBef>
+              <a:spcAft>
+                <a:spcPts val="0"/>
+              </a:spcAft>
+              <a:buClr>
+                <a:schemeClr val="dk2"/>
+              </a:buClr>
+              <a:buSzPts val="1400"/>
+              <a:buFont typeface="Arial"/>
+              <a:buChar char="■"/>
+              <a:defRPr sz="1400" b="0" i="0" u="none" strike="noStrike" cap="none">
+                <a:solidFill>
+                  <a:schemeClr val="dk2"/>
+                </a:solidFill>
+                <a:latin typeface="Arial"/>
+                <a:ea typeface="Arial"/>
+                <a:cs typeface="Arial"/>
+                <a:sym typeface="Arial"/>
+              </a:defRPr>
+            </a:lvl3pPr>
+            <a:lvl4pPr marL="1828800" marR="0" lvl="3" indent="-317500" algn="l" rtl="0">
+              <a:lnSpc>
+                <a:spcPct val="115000"/>
+              </a:lnSpc>
+              <a:spcBef>
+                <a:spcPts val="1600"/>
+              </a:spcBef>
+              <a:spcAft>
+                <a:spcPts val="0"/>
+              </a:spcAft>
+              <a:buClr>
+                <a:schemeClr val="dk2"/>
+              </a:buClr>
+              <a:buSzPts val="1400"/>
+              <a:buFont typeface="Arial"/>
+              <a:buChar char="●"/>
+              <a:defRPr sz="1400" b="0" i="0" u="none" strike="noStrike" cap="none">
+                <a:solidFill>
+                  <a:schemeClr val="dk2"/>
+                </a:solidFill>
+                <a:latin typeface="Arial"/>
+                <a:ea typeface="Arial"/>
+                <a:cs typeface="Arial"/>
+                <a:sym typeface="Arial"/>
+              </a:defRPr>
+            </a:lvl4pPr>
+            <a:lvl5pPr marL="2286000" marR="0" lvl="4" indent="-317500" algn="l" rtl="0">
+              <a:lnSpc>
+                <a:spcPct val="115000"/>
+              </a:lnSpc>
+              <a:spcBef>
+                <a:spcPts val="1600"/>
+              </a:spcBef>
+              <a:spcAft>
+                <a:spcPts val="0"/>
+              </a:spcAft>
+              <a:buClr>
+                <a:schemeClr val="dk2"/>
+              </a:buClr>
+              <a:buSzPts val="1400"/>
+              <a:buFont typeface="Arial"/>
+              <a:buChar char="○"/>
+              <a:defRPr sz="1400" b="0" i="0" u="none" strike="noStrike" cap="none">
+                <a:solidFill>
+                  <a:schemeClr val="dk2"/>
+                </a:solidFill>
+                <a:latin typeface="Arial"/>
+                <a:ea typeface="Arial"/>
+                <a:cs typeface="Arial"/>
+                <a:sym typeface="Arial"/>
+              </a:defRPr>
+            </a:lvl5pPr>
+            <a:lvl6pPr marL="2743200" marR="0" lvl="5" indent="-317500" algn="l" rtl="0">
+              <a:lnSpc>
+                <a:spcPct val="115000"/>
+              </a:lnSpc>
+              <a:spcBef>
+                <a:spcPts val="1600"/>
+              </a:spcBef>
+              <a:spcAft>
+                <a:spcPts val="0"/>
+              </a:spcAft>
+              <a:buClr>
+                <a:schemeClr val="dk2"/>
+              </a:buClr>
+              <a:buSzPts val="1400"/>
+              <a:buFont typeface="Arial"/>
+              <a:buChar char="■"/>
+              <a:defRPr sz="1400" b="0" i="0" u="none" strike="noStrike" cap="none">
+                <a:solidFill>
+                  <a:schemeClr val="dk2"/>
+                </a:solidFill>
+                <a:latin typeface="Arial"/>
+                <a:ea typeface="Arial"/>
+                <a:cs typeface="Arial"/>
+                <a:sym typeface="Arial"/>
+              </a:defRPr>
+            </a:lvl6pPr>
+            <a:lvl7pPr marL="3200400" marR="0" lvl="6" indent="-317500" algn="l" rtl="0">
+              <a:lnSpc>
+                <a:spcPct val="115000"/>
+              </a:lnSpc>
+              <a:spcBef>
+                <a:spcPts val="1600"/>
+              </a:spcBef>
+              <a:spcAft>
+                <a:spcPts val="0"/>
+              </a:spcAft>
+              <a:buClr>
+                <a:schemeClr val="dk2"/>
+              </a:buClr>
+              <a:buSzPts val="1400"/>
+              <a:buFont typeface="Arial"/>
+              <a:buChar char="●"/>
+              <a:defRPr sz="1400" b="0" i="0" u="none" strike="noStrike" cap="none">
+                <a:solidFill>
+                  <a:schemeClr val="dk2"/>
+                </a:solidFill>
+                <a:latin typeface="Arial"/>
+                <a:ea typeface="Arial"/>
+                <a:cs typeface="Arial"/>
+                <a:sym typeface="Arial"/>
+              </a:defRPr>
+            </a:lvl7pPr>
+            <a:lvl8pPr marL="3657600" marR="0" lvl="7" indent="-317500" algn="l" rtl="0">
+              <a:lnSpc>
+                <a:spcPct val="115000"/>
+              </a:lnSpc>
+              <a:spcBef>
+                <a:spcPts val="1600"/>
+              </a:spcBef>
+              <a:spcAft>
+                <a:spcPts val="0"/>
+              </a:spcAft>
+              <a:buClr>
+                <a:schemeClr val="dk2"/>
+              </a:buClr>
+              <a:buSzPts val="1400"/>
+              <a:buFont typeface="Arial"/>
+              <a:buChar char="○"/>
+              <a:defRPr sz="1400" b="0" i="0" u="none" strike="noStrike" cap="none">
+                <a:solidFill>
+                  <a:schemeClr val="dk2"/>
+                </a:solidFill>
+                <a:latin typeface="Arial"/>
+                <a:ea typeface="Arial"/>
+                <a:cs typeface="Arial"/>
+                <a:sym typeface="Arial"/>
+              </a:defRPr>
+            </a:lvl8pPr>
+            <a:lvl9pPr marL="4114800" marR="0" lvl="8" indent="-317500" algn="l" rtl="0">
+              <a:lnSpc>
+                <a:spcPct val="115000"/>
+              </a:lnSpc>
+              <a:spcBef>
+                <a:spcPts val="1600"/>
+              </a:spcBef>
+              <a:spcAft>
+                <a:spcPts val="1600"/>
+              </a:spcAft>
+              <a:buClr>
+                <a:schemeClr val="dk2"/>
+              </a:buClr>
+              <a:buSzPts val="1400"/>
+              <a:buFont typeface="Arial"/>
+              <a:buChar char="■"/>
+              <a:defRPr sz="1400" b="0" i="0" u="none" strike="noStrike" cap="none">
+                <a:solidFill>
+                  <a:schemeClr val="dk2"/>
+                </a:solidFill>
+                <a:latin typeface="Arial"/>
+                <a:ea typeface="Arial"/>
+                <a:cs typeface="Arial"/>
+                <a:sym typeface="Arial"/>
+              </a:defRPr>
+            </a:lvl9pPr>
+          </a:lstStyle>
+          <a:p>
+            <a:r>
+              <a:rPr lang="en-US" sz="1600" dirty="0"/>
+              <a:t>P</a:t>
+            </a:r>
+            <a:r>
+              <a:rPr lang="en" sz="1600" dirty="0"/>
+              <a:t>re tuning</a:t>
+            </a:r>
+          </a:p>
+          <a:p>
+            <a:pPr lvl="1" indent="-342900">
+              <a:spcBef>
+                <a:spcPts val="0"/>
+              </a:spcBef>
+              <a:buSzPts val="1800"/>
+              <a:buFont typeface="Arial"/>
+              <a:buChar char="●"/>
+            </a:pPr>
+            <a:r>
+              <a:rPr lang="en-US" dirty="0" err="1"/>
+              <a:t>lr</a:t>
+            </a:r>
+            <a:r>
+              <a:rPr lang="en-US" dirty="0"/>
+              <a:t> = 1e-1, epochs = 10</a:t>
+            </a:r>
+          </a:p>
+          <a:p>
+            <a:pPr lvl="1" indent="-342900">
+              <a:spcBef>
+                <a:spcPts val="0"/>
+              </a:spcBef>
+              <a:buSzPts val="1800"/>
+              <a:buFont typeface="Arial"/>
+              <a:buChar char="●"/>
+            </a:pPr>
+            <a:r>
+              <a:rPr lang="en-US" dirty="0"/>
+              <a:t>Training Perplexity: 127. Validation Perplexity: 115. </a:t>
+            </a:r>
+          </a:p>
+          <a:p>
+            <a:r>
+              <a:rPr lang="en-US" sz="1600" dirty="0"/>
+              <a:t>Post tuning</a:t>
+            </a:r>
+            <a:endParaRPr lang="en" sz="1600" dirty="0"/>
+          </a:p>
+          <a:p>
+            <a:pPr lvl="1" indent="-342900">
+              <a:spcBef>
+                <a:spcPts val="0"/>
+              </a:spcBef>
+              <a:buSzPts val="1800"/>
+              <a:buFont typeface="Arial"/>
+              <a:buChar char="●"/>
+            </a:pPr>
+            <a:r>
+              <a:rPr lang="en-US" dirty="0" err="1"/>
+              <a:t>lr</a:t>
+            </a:r>
+            <a:r>
+              <a:rPr lang="en-US" dirty="0"/>
+              <a:t> = 1e-2, epochs = 10 </a:t>
+            </a:r>
+          </a:p>
+          <a:p>
+            <a:pPr lvl="1" indent="-342900">
+              <a:spcBef>
+                <a:spcPts val="0"/>
+              </a:spcBef>
+              <a:buSzPts val="1800"/>
+              <a:buFont typeface="Arial"/>
+              <a:buChar char="●"/>
+            </a:pPr>
+            <a:r>
+              <a:rPr lang="en-US" dirty="0"/>
+              <a:t>Training Perplexity: 22.6895. Validation Perplexity: 31.1914. </a:t>
+            </a:r>
+          </a:p>
+          <a:p>
+            <a:r>
+              <a:rPr lang="en-US" dirty="0"/>
+              <a:t>During pre tuning, I noticed that training perplexity decreased a lot from epoch 1 (252) to epoch 2 (164). Then the training perplexity and loss decreased by little amounts each epoch. I thought this might be due to overfitting so I decreased the learning rate by a factor of 10 and obtained &lt;50 perplexity for both training and validation at epoch 10. </a:t>
+            </a:r>
+          </a:p>
+          <a:p>
+            <a:endParaRPr lang="en-US" dirty="0"/>
+          </a:p>
+          <a:p>
+            <a:endParaRPr lang="en-US" dirty="0"/>
+          </a:p>
+        </p:txBody>
+      </p:sp>
       <p:sp>
         <p:nvSpPr>
           <p:cNvPr id="142" name="Google Shape;142;p28"/>
@@ -6136,50 +7016,26 @@
       </p:sp>
       <p:sp>
         <p:nvSpPr>
-          <p:cNvPr id="143" name="Google Shape;143;p28"/>
-          <p:cNvSpPr txBox="1">
+          <p:cNvPr id="3" name="Text Placeholder 2">
+            <a:extLst>
+              <a:ext uri="{FF2B5EF4-FFF2-40B4-BE49-F238E27FC236}">
+                <a16:creationId xmlns:a16="http://schemas.microsoft.com/office/drawing/2014/main" id="{7665646F-774F-104C-B590-8FF24914AFFB}"/>
+              </a:ext>
+            </a:extLst>
+          </p:cNvPr>
+          <p:cNvSpPr>
             <a:spLocks noGrp="1"/>
           </p:cNvSpPr>
           <p:nvPr>
             <p:ph type="body" idx="1"/>
           </p:nvPr>
         </p:nvSpPr>
-        <p:spPr>
-          <a:xfrm>
-            <a:off x="311700" y="1152475"/>
-            <a:ext cx="8520600" cy="3416400"/>
-          </a:xfrm>
-          <a:prstGeom prst="rect">
-            <a:avLst/>
-          </a:prstGeom>
-        </p:spPr>
+        <p:spPr/>
         <p:txBody>
-          <a:bodyPr spcFirstLastPara="1" wrap="square" lIns="91425" tIns="91425" rIns="91425" bIns="91425" anchor="t" anchorCtr="0">
-            <a:noAutofit/>
-          </a:bodyPr>
+          <a:bodyPr/>
           <a:lstStyle/>
           <a:p>
-            <a:pPr marL="457200" lvl="0" indent="-342900" algn="l" rtl="0">
-              <a:spcBef>
-                <a:spcPts val="0"/>
-              </a:spcBef>
-              <a:spcAft>
-                <a:spcPts val="0"/>
-              </a:spcAft>
-              <a:buSzPts val="1800"/>
-              <a:buChar char="●"/>
-            </a:pPr>
-            <a:r>
-              <a:rPr lang="en" dirty="0"/>
-              <a:t>Put your loss &amp; perplexities from training here, both before and after hyperparameter tuning.</a:t>
-            </a:r>
-          </a:p>
-          <a:p>
-            <a:pPr lvl="0"/>
-            <a:r>
-              <a:rPr lang="en-US" dirty="0"/>
-              <a:t>Explain what you did here as well, you can use another slide if needed</a:t>
-            </a:r>
+            <a:endParaRPr lang="en-US"/>
           </a:p>
         </p:txBody>
       </p:sp>
